--- a/Doc/PowerPoints/WhosHomeSprint2.pptx
+++ b/Doc/PowerPoints/WhosHomeSprint2.pptx
@@ -33,14 +33,15 @@
     <p:sldId id="288" r:id="rId27"/>
     <p:sldId id="289" r:id="rId28"/>
     <p:sldId id="290" r:id="rId29"/>
-    <p:sldId id="291" r:id="rId30"/>
-    <p:sldId id="283" r:id="rId31"/>
-    <p:sldId id="284" r:id="rId32"/>
-    <p:sldId id="292" r:id="rId33"/>
-    <p:sldId id="263" r:id="rId34"/>
-    <p:sldId id="266" r:id="rId35"/>
-    <p:sldId id="267" r:id="rId36"/>
-    <p:sldId id="294" r:id="rId37"/>
+    <p:sldId id="295" r:id="rId30"/>
+    <p:sldId id="291" r:id="rId31"/>
+    <p:sldId id="283" r:id="rId32"/>
+    <p:sldId id="284" r:id="rId33"/>
+    <p:sldId id="292" r:id="rId34"/>
+    <p:sldId id="263" r:id="rId35"/>
+    <p:sldId id="266" r:id="rId36"/>
+    <p:sldId id="267" r:id="rId37"/>
+    <p:sldId id="294" r:id="rId38"/>
   </p:sldIdLst>
   <p:sldSz cx="12192000" cy="6858000"/>
   <p:notesSz cx="6858000" cy="9144000"/>
@@ -5361,6 +5362,13 @@
   <p:clrMapOvr>
     <a:masterClrMapping/>
   </p:clrMapOvr>
+  <p:timing>
+    <p:tnLst>
+      <p:par>
+        <p:cTn id="1" dur="indefinite" restart="never" nodeType="tmRoot"/>
+      </p:par>
+    </p:tnLst>
+  </p:timing>
 </p:sld>
 </file>
 
@@ -6156,7 +6164,7 @@
         </p:blipFill>
         <p:spPr bwMode="auto">
           <a:xfrm>
-            <a:off x="6748296" y="365125"/>
+            <a:off x="6748296" y="286603"/>
             <a:ext cx="1360319" cy="1360319"/>
           </a:xfrm>
           <a:prstGeom prst="rect">
@@ -6197,8 +6205,8 @@
         </p:blipFill>
         <p:spPr bwMode="auto">
           <a:xfrm>
-            <a:off x="2384258" y="5111479"/>
-            <a:ext cx="4364038" cy="1025549"/>
+            <a:off x="838199" y="4239025"/>
+            <a:ext cx="3337034" cy="784203"/>
           </a:xfrm>
           <a:prstGeom prst="rect">
             <a:avLst/>
@@ -6275,7 +6283,7 @@
         </p:blipFill>
         <p:spPr bwMode="auto">
           <a:xfrm>
-            <a:off x="8694820" y="3307837"/>
+            <a:off x="8423952" y="1825625"/>
             <a:ext cx="3176336" cy="2707951"/>
           </a:xfrm>
           <a:prstGeom prst="rect">
@@ -6566,28 +6574,6 @@
       </p:grpSpPr>
       <p:sp>
         <p:nvSpPr>
-          <p:cNvPr id="2" name="Title 1"/>
-          <p:cNvSpPr>
-            <a:spLocks noGrp="1"/>
-          </p:cNvSpPr>
-          <p:nvPr>
-            <p:ph type="title"/>
-          </p:nvPr>
-        </p:nvSpPr>
-        <p:spPr/>
-        <p:txBody>
-          <a:bodyPr/>
-          <a:lstStyle/>
-          <a:p>
-            <a:r>
-              <a:rPr lang="en-US" dirty="0"/>
-              <a:t>User Interaction Script</a:t>
-            </a:r>
-          </a:p>
-        </p:txBody>
-      </p:sp>
-      <p:sp>
-        <p:nvSpPr>
           <p:cNvPr id="3" name="Content Placeholder 2"/>
           <p:cNvSpPr>
             <a:spLocks noGrp="1"/>
@@ -6596,34 +6582,60 @@
             <p:ph idx="1"/>
           </p:nvPr>
         </p:nvSpPr>
-        <p:spPr/>
-        <p:txBody>
-          <a:bodyPr/>
-          <a:lstStyle/>
-          <a:p>
-            <a:r>
-              <a:rPr lang="en-US" dirty="0"/>
-              <a:t>Python Script to insert database values based on user workflow</a:t>
-            </a:r>
-          </a:p>
-          <a:p>
-            <a:r>
-              <a:rPr lang="en-US" dirty="0"/>
-              <a:t>Multi-threaded</a:t>
-            </a:r>
-          </a:p>
-          <a:p>
-            <a:r>
-              <a:rPr lang="en-US" dirty="0"/>
-              <a:t>Can simulate multiple users</a:t>
-            </a:r>
-          </a:p>
-        </p:txBody>
-      </p:sp>
+        <p:spPr>
+          <a:xfrm>
+            <a:off x="1082048" y="654497"/>
+            <a:ext cx="10058400" cy="4023360"/>
+          </a:xfrm>
+        </p:spPr>
+        <p:txBody>
+          <a:bodyPr/>
+          <a:lstStyle/>
+          <a:p>
+            <a:r>
+              <a:rPr lang="en-US" dirty="0" smtClean="0"/>
+              <a:t>Example of a single unit test for the </a:t>
+            </a:r>
+            <a:r>
+              <a:rPr lang="en-US" dirty="0" err="1" smtClean="0"/>
+              <a:t>SharedLocations</a:t>
+            </a:r>
+            <a:r>
+              <a:rPr lang="en-US" dirty="0" smtClean="0"/>
+              <a:t> table</a:t>
+            </a:r>
+            <a:endParaRPr lang="en-US" dirty="0"/>
+          </a:p>
+        </p:txBody>
+      </p:sp>
+      <p:pic>
+        <p:nvPicPr>
+          <p:cNvPr id="4" name="Picture 3"/>
+          <p:cNvPicPr>
+            <a:picLocks noChangeAspect="1"/>
+          </p:cNvPicPr>
+          <p:nvPr/>
+        </p:nvPicPr>
+        <p:blipFill>
+          <a:blip r:embed="rId2"/>
+          <a:stretch>
+            <a:fillRect/>
+          </a:stretch>
+        </p:blipFill>
+        <p:spPr>
+          <a:xfrm>
+            <a:off x="1082048" y="1346870"/>
+            <a:ext cx="9591675" cy="4638675"/>
+          </a:xfrm>
+          <a:prstGeom prst="rect">
+            <a:avLst/>
+          </a:prstGeom>
+        </p:spPr>
+      </p:pic>
     </p:spTree>
     <p:extLst>
       <p:ext uri="{BB962C8B-B14F-4D97-AF65-F5344CB8AC3E}">
-        <p14:creationId xmlns:p14="http://schemas.microsoft.com/office/powerpoint/2010/main" val="1198872388"/>
+        <p14:creationId xmlns:p14="http://schemas.microsoft.com/office/powerpoint/2010/main" val="1045346886"/>
       </p:ext>
     </p:extLst>
   </p:cSld>
@@ -6979,49 +6991,59 @@
             <a:spLocks noGrp="1"/>
           </p:cNvSpPr>
           <p:nvPr>
-            <p:ph type="ctrTitle"/>
-          </p:nvPr>
-        </p:nvSpPr>
-        <p:spPr/>
-        <p:txBody>
-          <a:bodyPr/>
-          <a:lstStyle/>
-          <a:p>
-            <a:r>
-              <a:rPr lang="en-US" dirty="0" smtClean="0"/>
-              <a:t>Scrum Master</a:t>
-            </a:r>
-            <a:endParaRPr lang="en-US" dirty="0"/>
-          </a:p>
-        </p:txBody>
-      </p:sp>
-      <p:sp>
-        <p:nvSpPr>
-          <p:cNvPr id="3" name="Subtitle 2"/>
-          <p:cNvSpPr>
-            <a:spLocks noGrp="1"/>
-          </p:cNvSpPr>
-          <p:nvPr>
-            <p:ph type="subTitle" idx="1"/>
-          </p:nvPr>
-        </p:nvSpPr>
-        <p:spPr/>
-        <p:txBody>
-          <a:bodyPr/>
-          <a:lstStyle/>
-          <a:p>
-            <a:r>
-              <a:rPr lang="en-US" dirty="0" smtClean="0"/>
-              <a:t>Patrick</a:t>
-            </a:r>
-            <a:endParaRPr lang="en-US" dirty="0"/>
+            <p:ph type="title"/>
+          </p:nvPr>
+        </p:nvSpPr>
+        <p:spPr/>
+        <p:txBody>
+          <a:bodyPr/>
+          <a:lstStyle/>
+          <a:p>
+            <a:r>
+              <a:rPr lang="en-US" dirty="0"/>
+              <a:t>User Interaction Script</a:t>
+            </a:r>
+          </a:p>
+        </p:txBody>
+      </p:sp>
+      <p:sp>
+        <p:nvSpPr>
+          <p:cNvPr id="3" name="Content Placeholder 2"/>
+          <p:cNvSpPr>
+            <a:spLocks noGrp="1"/>
+          </p:cNvSpPr>
+          <p:nvPr>
+            <p:ph idx="1"/>
+          </p:nvPr>
+        </p:nvSpPr>
+        <p:spPr/>
+        <p:txBody>
+          <a:bodyPr/>
+          <a:lstStyle/>
+          <a:p>
+            <a:r>
+              <a:rPr lang="en-US" dirty="0"/>
+              <a:t>Python Script to insert database values based on user workflow</a:t>
+            </a:r>
+          </a:p>
+          <a:p>
+            <a:r>
+              <a:rPr lang="en-US" dirty="0"/>
+              <a:t>Multi-threaded</a:t>
+            </a:r>
+          </a:p>
+          <a:p>
+            <a:r>
+              <a:rPr lang="en-US" dirty="0"/>
+              <a:t>Can simulate multiple users</a:t>
+            </a:r>
           </a:p>
         </p:txBody>
       </p:sp>
     </p:spTree>
     <p:extLst>
       <p:ext uri="{BB962C8B-B14F-4D97-AF65-F5344CB8AC3E}">
-        <p14:creationId xmlns:p14="http://schemas.microsoft.com/office/powerpoint/2010/main" val="280777097"/>
+        <p14:creationId xmlns:p14="http://schemas.microsoft.com/office/powerpoint/2010/main" val="1198872388"/>
       </p:ext>
     </p:extLst>
   </p:cSld>
@@ -7062,7 +7084,7 @@
             <a:spLocks noGrp="1"/>
           </p:cNvSpPr>
           <p:nvPr>
-            <p:ph type="title"/>
+            <p:ph type="ctrTitle"/>
           </p:nvPr>
         </p:nvSpPr>
         <p:spPr/>
@@ -7072,7 +7094,7 @@
           <a:p>
             <a:r>
               <a:rPr lang="en-US" dirty="0" smtClean="0"/>
-              <a:t>Scrum Master Overview</a:t>
+              <a:t>Scrum Master</a:t>
             </a:r>
             <a:endParaRPr lang="en-US" dirty="0"/>
           </a:p>
@@ -7080,70 +7102,22 @@
       </p:sp>
       <p:sp>
         <p:nvSpPr>
-          <p:cNvPr id="3" name="Content Placeholder 2"/>
-          <p:cNvSpPr>
-            <a:spLocks noGrp="1"/>
-          </p:cNvSpPr>
-          <p:nvPr>
-            <p:ph idx="1"/>
-          </p:nvPr>
-        </p:nvSpPr>
-        <p:spPr/>
-        <p:txBody>
-          <a:bodyPr>
-            <a:normAutofit/>
-          </a:bodyPr>
+          <p:cNvPr id="3" name="Subtitle 2"/>
+          <p:cNvSpPr>
+            <a:spLocks noGrp="1"/>
+          </p:cNvSpPr>
+          <p:nvPr>
+            <p:ph type="subTitle" idx="1"/>
+          </p:nvPr>
+        </p:nvSpPr>
+        <p:spPr/>
+        <p:txBody>
+          <a:bodyPr/>
           <a:lstStyle/>
           <a:p>
             <a:r>
               <a:rPr lang="en-US" dirty="0" smtClean="0"/>
-              <a:t>Frist Scrum master of our JP</a:t>
-            </a:r>
-          </a:p>
-          <a:p>
-            <a:r>
-              <a:rPr lang="en-US" dirty="0" smtClean="0"/>
-              <a:t>Did most of the initial technical writing for the group</a:t>
-            </a:r>
-          </a:p>
-          <a:p>
-            <a:pPr lvl="1"/>
-            <a:r>
-              <a:rPr lang="en-US" dirty="0" smtClean="0"/>
-              <a:t>Group members focused on additions and edits</a:t>
-            </a:r>
-          </a:p>
-          <a:p>
-            <a:r>
-              <a:rPr lang="en-US" dirty="0" smtClean="0"/>
-              <a:t>One of the biggest lessons learned was that organization is key</a:t>
-            </a:r>
-          </a:p>
-          <a:p>
-            <a:r>
-              <a:rPr lang="en-US" dirty="0" smtClean="0"/>
-              <a:t>Project notebook</a:t>
-            </a:r>
-          </a:p>
-          <a:p>
-            <a:pPr lvl="1"/>
-            <a:r>
-              <a:rPr lang="en-US" dirty="0" smtClean="0"/>
-              <a:t>Meeting and daily scrum logs</a:t>
-            </a:r>
-          </a:p>
-          <a:p>
-            <a:pPr lvl="1"/>
-            <a:r>
-              <a:rPr lang="en-US" dirty="0" smtClean="0"/>
-              <a:t>Design documents</a:t>
-            </a:r>
-          </a:p>
-          <a:p>
-            <a:pPr lvl="1"/>
-            <a:r>
-              <a:rPr lang="en-US" dirty="0" smtClean="0"/>
-              <a:t>Weekly status reports  </a:t>
+              <a:t>Patrick</a:t>
             </a:r>
             <a:endParaRPr lang="en-US" dirty="0"/>
           </a:p>
@@ -7152,7 +7126,7 @@
     </p:spTree>
     <p:extLst>
       <p:ext uri="{BB962C8B-B14F-4D97-AF65-F5344CB8AC3E}">
-        <p14:creationId xmlns:p14="http://schemas.microsoft.com/office/powerpoint/2010/main" val="1189224714"/>
+        <p14:creationId xmlns:p14="http://schemas.microsoft.com/office/powerpoint/2010/main" val="280777097"/>
       </p:ext>
     </p:extLst>
   </p:cSld>
@@ -7193,7 +7167,7 @@
             <a:spLocks noGrp="1"/>
           </p:cNvSpPr>
           <p:nvPr>
-            <p:ph type="ctrTitle"/>
+            <p:ph type="title"/>
           </p:nvPr>
         </p:nvSpPr>
         <p:spPr/>
@@ -7203,7 +7177,7 @@
           <a:p>
             <a:r>
               <a:rPr lang="en-US" dirty="0" smtClean="0"/>
-              <a:t>Sprint #2</a:t>
+              <a:t>Scrum Master Overview</a:t>
             </a:r>
             <a:endParaRPr lang="en-US" dirty="0"/>
           </a:p>
@@ -7211,18 +7185,81 @@
       </p:sp>
       <p:sp>
         <p:nvSpPr>
-          <p:cNvPr id="3" name="Subtitle 2"/>
-          <p:cNvSpPr>
-            <a:spLocks noGrp="1"/>
-          </p:cNvSpPr>
-          <p:nvPr>
-            <p:ph type="subTitle" idx="1"/>
-          </p:nvPr>
-        </p:nvSpPr>
-        <p:spPr/>
-        <p:txBody>
-          <a:bodyPr/>
-          <a:lstStyle/>
+          <p:cNvPr id="3" name="Content Placeholder 2"/>
+          <p:cNvSpPr>
+            <a:spLocks noGrp="1"/>
+          </p:cNvSpPr>
+          <p:nvPr>
+            <p:ph idx="1"/>
+          </p:nvPr>
+        </p:nvSpPr>
+        <p:spPr/>
+        <p:txBody>
+          <a:bodyPr>
+            <a:normAutofit/>
+          </a:bodyPr>
+          <a:lstStyle/>
+          <a:p>
+            <a:r>
+              <a:rPr lang="en-US" dirty="0" smtClean="0"/>
+              <a:t>Frist Scrum master of our </a:t>
+            </a:r>
+            <a:r>
+              <a:rPr lang="en-US" dirty="0" smtClean="0"/>
+              <a:t>JP</a:t>
+            </a:r>
+          </a:p>
+          <a:p>
+            <a:r>
+              <a:rPr lang="en-US" dirty="0" smtClean="0"/>
+              <a:t>Project </a:t>
+            </a:r>
+            <a:r>
+              <a:rPr lang="en-US" dirty="0" smtClean="0"/>
+              <a:t>notebook</a:t>
+            </a:r>
+          </a:p>
+          <a:p>
+            <a:pPr lvl="1"/>
+            <a:r>
+              <a:rPr lang="en-US" dirty="0" smtClean="0"/>
+              <a:t>Meeting and daily scrum logs</a:t>
+            </a:r>
+          </a:p>
+          <a:p>
+            <a:pPr lvl="1"/>
+            <a:r>
+              <a:rPr lang="en-US" dirty="0" smtClean="0"/>
+              <a:t>Design documents</a:t>
+            </a:r>
+          </a:p>
+          <a:p>
+            <a:pPr lvl="1"/>
+            <a:r>
+              <a:rPr lang="en-US" dirty="0" smtClean="0"/>
+              <a:t>Weekly status reports  </a:t>
+            </a:r>
+            <a:endParaRPr lang="en-US" dirty="0" smtClean="0"/>
+          </a:p>
+          <a:p>
+            <a:r>
+              <a:rPr lang="en-US" dirty="0"/>
+              <a:t>Did most of the initial technical writing for the group</a:t>
+            </a:r>
+          </a:p>
+          <a:p>
+            <a:pPr lvl="1"/>
+            <a:r>
+              <a:rPr lang="en-US" dirty="0"/>
+              <a:t>Group members focused on additions and edits</a:t>
+            </a:r>
+          </a:p>
+          <a:p>
+            <a:r>
+              <a:rPr lang="en-US" dirty="0"/>
+              <a:t>One of the biggest lessons learned was that organization is key</a:t>
+            </a:r>
+          </a:p>
           <a:p>
             <a:endParaRPr lang="en-US" dirty="0"/>
           </a:p>
@@ -7231,7 +7268,7 @@
     </p:spTree>
     <p:extLst>
       <p:ext uri="{BB962C8B-B14F-4D97-AF65-F5344CB8AC3E}">
-        <p14:creationId xmlns:p14="http://schemas.microsoft.com/office/powerpoint/2010/main" val="991333734"/>
+        <p14:creationId xmlns:p14="http://schemas.microsoft.com/office/powerpoint/2010/main" val="1189224714"/>
       </p:ext>
     </p:extLst>
   </p:cSld>
@@ -7272,6 +7309,85 @@
             <a:spLocks noGrp="1"/>
           </p:cNvSpPr>
           <p:nvPr>
+            <p:ph type="ctrTitle"/>
+          </p:nvPr>
+        </p:nvSpPr>
+        <p:spPr/>
+        <p:txBody>
+          <a:bodyPr/>
+          <a:lstStyle/>
+          <a:p>
+            <a:r>
+              <a:rPr lang="en-US" dirty="0" smtClean="0"/>
+              <a:t>Sprint #2</a:t>
+            </a:r>
+            <a:endParaRPr lang="en-US" dirty="0"/>
+          </a:p>
+        </p:txBody>
+      </p:sp>
+      <p:sp>
+        <p:nvSpPr>
+          <p:cNvPr id="3" name="Subtitle 2"/>
+          <p:cNvSpPr>
+            <a:spLocks noGrp="1"/>
+          </p:cNvSpPr>
+          <p:nvPr>
+            <p:ph type="subTitle" idx="1"/>
+          </p:nvPr>
+        </p:nvSpPr>
+        <p:spPr/>
+        <p:txBody>
+          <a:bodyPr/>
+          <a:lstStyle/>
+          <a:p>
+            <a:endParaRPr lang="en-US" dirty="0"/>
+          </a:p>
+        </p:txBody>
+      </p:sp>
+    </p:spTree>
+    <p:extLst>
+      <p:ext uri="{BB962C8B-B14F-4D97-AF65-F5344CB8AC3E}">
+        <p14:creationId xmlns:p14="http://schemas.microsoft.com/office/powerpoint/2010/main" val="991333734"/>
+      </p:ext>
+    </p:extLst>
+  </p:cSld>
+  <p:clrMapOvr>
+    <a:masterClrMapping/>
+  </p:clrMapOvr>
+  <p:timing>
+    <p:tnLst>
+      <p:par>
+        <p:cTn id="1" dur="indefinite" restart="never" nodeType="tmRoot"/>
+      </p:par>
+    </p:tnLst>
+  </p:timing>
+</p:sld>
+</file>
+
+<file path=ppt/slides/slide34.xml><?xml version="1.0" encoding="utf-8"?>
+<p:sld xmlns:a="http://schemas.openxmlformats.org/drawingml/2006/main" xmlns:r="http://schemas.openxmlformats.org/officeDocument/2006/relationships" xmlns:p="http://schemas.openxmlformats.org/presentationml/2006/main">
+  <p:cSld>
+    <p:spTree>
+      <p:nvGrpSpPr>
+        <p:cNvPr id="1" name=""/>
+        <p:cNvGrpSpPr/>
+        <p:nvPr/>
+      </p:nvGrpSpPr>
+      <p:grpSpPr>
+        <a:xfrm>
+          <a:off x="0" y="0"/>
+          <a:ext cx="0" cy="0"/>
+          <a:chOff x="0" y="0"/>
+          <a:chExt cx="0" cy="0"/>
+        </a:xfrm>
+      </p:grpSpPr>
+      <p:sp>
+        <p:nvSpPr>
+          <p:cNvPr id="2" name="Title 1"/>
+          <p:cNvSpPr>
+            <a:spLocks noGrp="1"/>
+          </p:cNvSpPr>
+          <p:nvPr>
             <p:ph type="title"/>
           </p:nvPr>
         </p:nvSpPr>
@@ -7311,13 +7427,8 @@
           <a:p>
             <a:r>
               <a:rPr lang="en-US" dirty="0" smtClean="0"/>
-              <a:t>Further </a:t>
-            </a:r>
-            <a:r>
-              <a:rPr lang="en-US" dirty="0" smtClean="0"/>
-              <a:t>testing and implementation</a:t>
-            </a:r>
-            <a:endParaRPr lang="en-US" dirty="0" smtClean="0"/>
+              <a:t>Further testing and implementation</a:t>
+            </a:r>
           </a:p>
           <a:p>
             <a:r>
@@ -7348,7 +7459,7 @@
 </p:sld>
 </file>
 
-<file path=ppt/slides/slide34.xml><?xml version="1.0" encoding="utf-8"?>
+<file path=ppt/slides/slide35.xml><?xml version="1.0" encoding="utf-8"?>
 <p:sld xmlns:a="http://schemas.openxmlformats.org/drawingml/2006/main" xmlns:r="http://schemas.openxmlformats.org/officeDocument/2006/relationships" xmlns:p="http://schemas.openxmlformats.org/presentationml/2006/main">
   <p:cSld>
     <p:spTree>
@@ -7478,7 +7589,7 @@
 </p:sld>
 </file>
 
-<file path=ppt/slides/slide35.xml><?xml version="1.0" encoding="utf-8"?>
+<file path=ppt/slides/slide36.xml><?xml version="1.0" encoding="utf-8"?>
 <p:sld xmlns:a="http://schemas.openxmlformats.org/drawingml/2006/main" xmlns:r="http://schemas.openxmlformats.org/officeDocument/2006/relationships" xmlns:p="http://schemas.openxmlformats.org/presentationml/2006/main">
   <p:cSld>
     <p:spTree>
@@ -7601,7 +7712,7 @@
 </p:sld>
 </file>
 
-<file path=ppt/slides/slide36.xml><?xml version="1.0" encoding="utf-8"?>
+<file path=ppt/slides/slide37.xml><?xml version="1.0" encoding="utf-8"?>
 <p:sld xmlns:a="http://schemas.openxmlformats.org/drawingml/2006/main" xmlns:r="http://schemas.openxmlformats.org/officeDocument/2006/relationships" xmlns:p="http://schemas.openxmlformats.org/presentationml/2006/main">
   <p:cSld>
     <p:spTree>
@@ -8068,35 +8179,43 @@
           <a:lstStyle/>
           <a:p>
             <a:r>
+              <a:rPr lang="en-US" dirty="0"/>
+              <a:t>File structure for all parts of the projects</a:t>
+            </a:r>
+          </a:p>
+          <a:p>
+            <a:pPr lvl="1"/>
+            <a:r>
+              <a:rPr lang="en-US" dirty="0"/>
+              <a:t>Code</a:t>
+            </a:r>
+          </a:p>
+          <a:p>
+            <a:pPr lvl="1"/>
+            <a:r>
+              <a:rPr lang="en-US" dirty="0"/>
+              <a:t>Documentation</a:t>
+            </a:r>
+          </a:p>
+          <a:p>
+            <a:pPr lvl="1"/>
+            <a:r>
+              <a:rPr lang="en-US" dirty="0"/>
+              <a:t>Anything else</a:t>
+            </a:r>
+          </a:p>
+          <a:p>
+            <a:r>
               <a:rPr lang="en-US" dirty="0" smtClean="0"/>
-              <a:t>GUI based interface... controversial but I found it helps for basic commands</a:t>
-            </a:r>
-          </a:p>
-          <a:p>
+              <a:t>GUI </a:t>
+            </a:r>
             <a:r>
               <a:rPr lang="en-US" dirty="0" smtClean="0"/>
-              <a:t>File structure for all parts of the projects</a:t>
-            </a:r>
-          </a:p>
-          <a:p>
-            <a:pPr lvl="1"/>
+              <a:t>based interface... controversial but I found it helps for basic </a:t>
+            </a:r>
             <a:r>
               <a:rPr lang="en-US" dirty="0" smtClean="0"/>
-              <a:t>Code</a:t>
-            </a:r>
-          </a:p>
-          <a:p>
-            <a:pPr lvl="1"/>
-            <a:r>
-              <a:rPr lang="en-US" dirty="0" smtClean="0"/>
-              <a:t>Documentation</a:t>
-            </a:r>
-          </a:p>
-          <a:p>
-            <a:pPr lvl="1"/>
-            <a:r>
-              <a:rPr lang="en-US" dirty="0" smtClean="0"/>
-              <a:t>Anything else</a:t>
+              <a:t>commands</a:t>
             </a:r>
           </a:p>
         </p:txBody>
